--- a/demo_site/files/slides/lecture17_forkjoin.pptx
+++ b/demo_site/files/slides/lecture17_forkjoin.pptx
@@ -308,7 +308,7 @@
           <a:p>
             <a:fld id="{28421D02-69CC-42C9-85CE-4F8B68ED22B8}" type="datetimeFigureOut">
               <a:rPr lang="en-US" smtClean="0"/>
-              <a:t>2/17/2026</a:t>
+              <a:t>2/17/26</a:t>
             </a:fld>
             <a:endParaRPr lang="en-US"/>
           </a:p>
@@ -506,7 +506,7 @@
           <a:p>
             <a:fld id="{28421D02-69CC-42C9-85CE-4F8B68ED22B8}" type="datetimeFigureOut">
               <a:rPr lang="en-US" smtClean="0"/>
-              <a:t>2/17/2026</a:t>
+              <a:t>2/17/26</a:t>
             </a:fld>
             <a:endParaRPr lang="en-US"/>
           </a:p>
@@ -714,7 +714,7 @@
           <a:p>
             <a:fld id="{28421D02-69CC-42C9-85CE-4F8B68ED22B8}" type="datetimeFigureOut">
               <a:rPr lang="en-US" smtClean="0"/>
-              <a:t>2/17/2026</a:t>
+              <a:t>2/17/26</a:t>
             </a:fld>
             <a:endParaRPr lang="en-US"/>
           </a:p>
@@ -912,7 +912,7 @@
           <a:p>
             <a:fld id="{28421D02-69CC-42C9-85CE-4F8B68ED22B8}" type="datetimeFigureOut">
               <a:rPr lang="en-US" smtClean="0"/>
-              <a:t>2/17/2026</a:t>
+              <a:t>2/17/26</a:t>
             </a:fld>
             <a:endParaRPr lang="en-US"/>
           </a:p>
@@ -1187,7 +1187,7 @@
           <a:p>
             <a:fld id="{28421D02-69CC-42C9-85CE-4F8B68ED22B8}" type="datetimeFigureOut">
               <a:rPr lang="en-US" smtClean="0"/>
-              <a:t>2/17/2026</a:t>
+              <a:t>2/17/26</a:t>
             </a:fld>
             <a:endParaRPr lang="en-US"/>
           </a:p>
@@ -1452,7 +1452,7 @@
           <a:p>
             <a:fld id="{28421D02-69CC-42C9-85CE-4F8B68ED22B8}" type="datetimeFigureOut">
               <a:rPr lang="en-US" smtClean="0"/>
-              <a:t>2/17/2026</a:t>
+              <a:t>2/17/26</a:t>
             </a:fld>
             <a:endParaRPr lang="en-US"/>
           </a:p>
@@ -1864,7 +1864,7 @@
           <a:p>
             <a:fld id="{28421D02-69CC-42C9-85CE-4F8B68ED22B8}" type="datetimeFigureOut">
               <a:rPr lang="en-US" smtClean="0"/>
-              <a:t>2/17/2026</a:t>
+              <a:t>2/17/26</a:t>
             </a:fld>
             <a:endParaRPr lang="en-US"/>
           </a:p>
@@ -2005,7 +2005,7 @@
           <a:p>
             <a:fld id="{28421D02-69CC-42C9-85CE-4F8B68ED22B8}" type="datetimeFigureOut">
               <a:rPr lang="en-US" smtClean="0"/>
-              <a:t>2/17/2026</a:t>
+              <a:t>2/17/26</a:t>
             </a:fld>
             <a:endParaRPr lang="en-US"/>
           </a:p>
@@ -2118,7 +2118,7 @@
           <a:p>
             <a:fld id="{28421D02-69CC-42C9-85CE-4F8B68ED22B8}" type="datetimeFigureOut">
               <a:rPr lang="en-US" smtClean="0"/>
-              <a:t>2/17/2026</a:t>
+              <a:t>2/17/26</a:t>
             </a:fld>
             <a:endParaRPr lang="en-US"/>
           </a:p>
@@ -2429,7 +2429,7 @@
           <a:p>
             <a:fld id="{28421D02-69CC-42C9-85CE-4F8B68ED22B8}" type="datetimeFigureOut">
               <a:rPr lang="en-US" smtClean="0"/>
-              <a:t>2/17/2026</a:t>
+              <a:t>2/17/26</a:t>
             </a:fld>
             <a:endParaRPr lang="en-US"/>
           </a:p>
@@ -2717,7 +2717,7 @@
           <a:p>
             <a:fld id="{28421D02-69CC-42C9-85CE-4F8B68ED22B8}" type="datetimeFigureOut">
               <a:rPr lang="en-US" smtClean="0"/>
-              <a:t>2/17/2026</a:t>
+              <a:t>2/17/26</a:t>
             </a:fld>
             <a:endParaRPr lang="en-US"/>
           </a:p>
@@ -2958,7 +2958,7 @@
           <a:p>
             <a:fld id="{28421D02-69CC-42C9-85CE-4F8B68ED22B8}" type="datetimeFigureOut">
               <a:rPr lang="en-US" smtClean="0"/>
-              <a:t>2/17/2026</a:t>
+              <a:t>2/17/26</a:t>
             </a:fld>
             <a:endParaRPr lang="en-US"/>
           </a:p>
@@ -3407,7 +3407,7 @@
             </a:br>
             <a:r>
               <a:rPr lang="en-US" dirty="0"/>
-              <a:t>Lecture 20: </a:t>
+              <a:t>Lecture 17: </a:t>
             </a:r>
             <a:r>
               <a:rPr lang="en-US" dirty="0" err="1"/>
@@ -6002,8 +6002,8 @@
           </a:p>
         </p:txBody>
       </p:sp>
-      <mc:AlternateContent xmlns:mc="http://schemas.openxmlformats.org/markup-compatibility/2006">
-        <mc:Choice xmlns:a14="http://schemas.microsoft.com/office/drawing/2010/main" Requires="a14">
+      <mc:AlternateContent xmlns:mc="http://schemas.openxmlformats.org/markup-compatibility/2006" xmlns:a14="http://schemas.microsoft.com/office/drawing/2010/main">
+        <mc:Choice Requires="a14">
           <p:sp>
             <p:nvSpPr>
               <p:cNvPr id="3" name="Content Placeholder 2">
@@ -6296,7 +6296,7 @@
             </p:txBody>
           </p:sp>
         </mc:Choice>
-        <mc:Fallback>
+        <mc:Fallback xmlns="">
           <p:sp>
             <p:nvSpPr>
               <p:cNvPr id="3" name="Content Placeholder 2">
@@ -6350,6 +6350,230 @@
   <p:clrMapOvr>
     <a:masterClrMapping/>
   </p:clrMapOvr>
+  <p:timing>
+    <p:tnLst>
+      <p:par>
+        <p:cTn id="1" dur="indefinite" restart="never" nodeType="tmRoot">
+          <p:childTnLst>
+            <p:seq concurrent="1" nextAc="seek">
+              <p:cTn id="2" dur="indefinite" nodeType="mainSeq">
+                <p:childTnLst>
+                  <p:par>
+                    <p:cTn id="3" fill="hold">
+                      <p:stCondLst>
+                        <p:cond delay="indefinite"/>
+                      </p:stCondLst>
+                      <p:childTnLst>
+                        <p:par>
+                          <p:cTn id="4" fill="hold">
+                            <p:stCondLst>
+                              <p:cond delay="0"/>
+                            </p:stCondLst>
+                            <p:childTnLst>
+                              <p:par>
+                                <p:cTn id="5" presetID="1" presetClass="entr" presetSubtype="0" fill="hold" grpId="0" nodeType="clickEffect">
+                                  <p:stCondLst>
+                                    <p:cond delay="0"/>
+                                  </p:stCondLst>
+                                  <p:childTnLst>
+                                    <p:set>
+                                      <p:cBhvr>
+                                        <p:cTn id="6" dur="1" fill="hold">
+                                          <p:stCondLst>
+                                            <p:cond delay="0"/>
+                                          </p:stCondLst>
+                                        </p:cTn>
+                                        <p:tgtEl>
+                                          <p:spTgt spid="3">
+                                            <p:txEl>
+                                              <p:pRg st="0" end="0"/>
+                                            </p:txEl>
+                                          </p:spTgt>
+                                        </p:tgtEl>
+                                        <p:attrNameLst>
+                                          <p:attrName>style.visibility</p:attrName>
+                                        </p:attrNameLst>
+                                      </p:cBhvr>
+                                      <p:to>
+                                        <p:strVal val="visible"/>
+                                      </p:to>
+                                    </p:set>
+                                  </p:childTnLst>
+                                </p:cTn>
+                              </p:par>
+                            </p:childTnLst>
+                          </p:cTn>
+                        </p:par>
+                      </p:childTnLst>
+                    </p:cTn>
+                  </p:par>
+                  <p:par>
+                    <p:cTn id="7" fill="hold">
+                      <p:stCondLst>
+                        <p:cond delay="indefinite"/>
+                      </p:stCondLst>
+                      <p:childTnLst>
+                        <p:par>
+                          <p:cTn id="8" fill="hold">
+                            <p:stCondLst>
+                              <p:cond delay="0"/>
+                            </p:stCondLst>
+                            <p:childTnLst>
+                              <p:par>
+                                <p:cTn id="9" presetID="1" presetClass="entr" presetSubtype="0" fill="hold" grpId="0" nodeType="clickEffect">
+                                  <p:stCondLst>
+                                    <p:cond delay="0"/>
+                                  </p:stCondLst>
+                                  <p:childTnLst>
+                                    <p:set>
+                                      <p:cBhvr>
+                                        <p:cTn id="10" dur="1" fill="hold">
+                                          <p:stCondLst>
+                                            <p:cond delay="0"/>
+                                          </p:stCondLst>
+                                        </p:cTn>
+                                        <p:tgtEl>
+                                          <p:spTgt spid="3">
+                                            <p:txEl>
+                                              <p:pRg st="1" end="1"/>
+                                            </p:txEl>
+                                          </p:spTgt>
+                                        </p:tgtEl>
+                                        <p:attrNameLst>
+                                          <p:attrName>style.visibility</p:attrName>
+                                        </p:attrNameLst>
+                                      </p:cBhvr>
+                                      <p:to>
+                                        <p:strVal val="visible"/>
+                                      </p:to>
+                                    </p:set>
+                                  </p:childTnLst>
+                                </p:cTn>
+                              </p:par>
+                              <p:par>
+                                <p:cTn id="11" presetID="1" presetClass="entr" presetSubtype="0" fill="hold" grpId="0" nodeType="withEffect">
+                                  <p:stCondLst>
+                                    <p:cond delay="0"/>
+                                  </p:stCondLst>
+                                  <p:childTnLst>
+                                    <p:set>
+                                      <p:cBhvr>
+                                        <p:cTn id="12" dur="1" fill="hold">
+                                          <p:stCondLst>
+                                            <p:cond delay="0"/>
+                                          </p:stCondLst>
+                                        </p:cTn>
+                                        <p:tgtEl>
+                                          <p:spTgt spid="3">
+                                            <p:txEl>
+                                              <p:pRg st="2" end="2"/>
+                                            </p:txEl>
+                                          </p:spTgt>
+                                        </p:tgtEl>
+                                        <p:attrNameLst>
+                                          <p:attrName>style.visibility</p:attrName>
+                                        </p:attrNameLst>
+                                      </p:cBhvr>
+                                      <p:to>
+                                        <p:strVal val="visible"/>
+                                      </p:to>
+                                    </p:set>
+                                  </p:childTnLst>
+                                </p:cTn>
+                              </p:par>
+                              <p:par>
+                                <p:cTn id="13" presetID="1" presetClass="entr" presetSubtype="0" fill="hold" grpId="0" nodeType="withEffect">
+                                  <p:stCondLst>
+                                    <p:cond delay="0"/>
+                                  </p:stCondLst>
+                                  <p:childTnLst>
+                                    <p:set>
+                                      <p:cBhvr>
+                                        <p:cTn id="14" dur="1" fill="hold">
+                                          <p:stCondLst>
+                                            <p:cond delay="0"/>
+                                          </p:stCondLst>
+                                        </p:cTn>
+                                        <p:tgtEl>
+                                          <p:spTgt spid="3">
+                                            <p:txEl>
+                                              <p:pRg st="3" end="3"/>
+                                            </p:txEl>
+                                          </p:spTgt>
+                                        </p:tgtEl>
+                                        <p:attrNameLst>
+                                          <p:attrName>style.visibility</p:attrName>
+                                        </p:attrNameLst>
+                                      </p:cBhvr>
+                                      <p:to>
+                                        <p:strVal val="visible"/>
+                                      </p:to>
+                                    </p:set>
+                                  </p:childTnLst>
+                                </p:cTn>
+                              </p:par>
+                              <p:par>
+                                <p:cTn id="15" presetID="1" presetClass="entr" presetSubtype="0" fill="hold" grpId="0" nodeType="withEffect">
+                                  <p:stCondLst>
+                                    <p:cond delay="0"/>
+                                  </p:stCondLst>
+                                  <p:childTnLst>
+                                    <p:set>
+                                      <p:cBhvr>
+                                        <p:cTn id="16" dur="1" fill="hold">
+                                          <p:stCondLst>
+                                            <p:cond delay="0"/>
+                                          </p:stCondLst>
+                                        </p:cTn>
+                                        <p:tgtEl>
+                                          <p:spTgt spid="3">
+                                            <p:txEl>
+                                              <p:pRg st="4" end="4"/>
+                                            </p:txEl>
+                                          </p:spTgt>
+                                        </p:tgtEl>
+                                        <p:attrNameLst>
+                                          <p:attrName>style.visibility</p:attrName>
+                                        </p:attrNameLst>
+                                      </p:cBhvr>
+                                      <p:to>
+                                        <p:strVal val="visible"/>
+                                      </p:to>
+                                    </p:set>
+                                  </p:childTnLst>
+                                </p:cTn>
+                              </p:par>
+                            </p:childTnLst>
+                          </p:cTn>
+                        </p:par>
+                      </p:childTnLst>
+                    </p:cTn>
+                  </p:par>
+                </p:childTnLst>
+              </p:cTn>
+              <p:prevCondLst>
+                <p:cond evt="onPrev" delay="0">
+                  <p:tgtEl>
+                    <p:sldTgt/>
+                  </p:tgtEl>
+                </p:cond>
+              </p:prevCondLst>
+              <p:nextCondLst>
+                <p:cond evt="onNext" delay="0">
+                  <p:tgtEl>
+                    <p:sldTgt/>
+                  </p:tgtEl>
+                </p:cond>
+              </p:nextCondLst>
+            </p:seq>
+          </p:childTnLst>
+        </p:cTn>
+      </p:par>
+    </p:tnLst>
+    <p:bldLst>
+      <p:bldP spid="3" grpId="0" uiExpand="1" build="p"/>
+    </p:bldLst>
+  </p:timing>
 </p:sld>
 </file>
 
@@ -11836,8 +12060,8 @@
           </a:p>
         </p:txBody>
       </p:sp>
-      <mc:AlternateContent xmlns:mc="http://schemas.openxmlformats.org/markup-compatibility/2006" xmlns:a14="http://schemas.microsoft.com/office/drawing/2010/main">
-        <mc:Choice Requires="a14">
+      <mc:AlternateContent xmlns:mc="http://schemas.openxmlformats.org/markup-compatibility/2006">
+        <mc:Choice xmlns:a14="http://schemas.microsoft.com/office/drawing/2010/main" Requires="a14">
           <p:sp>
             <p:nvSpPr>
               <p:cNvPr id="3" name="TextBox 2">
@@ -11996,7 +12220,7 @@
                   <a:buAutoNum type="arabicPeriod"/>
                 </a:pPr>
                 <a:r>
-                  <a:rPr lang="en-US" sz="2600" b="1" dirty="0"/>
+                  <a:rPr lang="en-US" sz="2600" u="sng" dirty="0"/>
                   <a:t>Wait</a:t>
                 </a:r>
                 <a:r>
@@ -12010,7 +12234,7 @@
                   <a:buAutoNum type="arabicPeriod"/>
                 </a:pPr>
                 <a:r>
-                  <a:rPr lang="en-US" sz="2600" b="1" dirty="0"/>
+                  <a:rPr lang="en-US" sz="2600" u="sng" dirty="0"/>
                   <a:t>Combine</a:t>
                 </a:r>
                 <a:r>
@@ -12022,7 +12246,7 @@
             </p:txBody>
           </p:sp>
         </mc:Choice>
-        <mc:Fallback xmlns="">
+        <mc:Fallback>
           <p:sp>
             <p:nvSpPr>
               <p:cNvPr id="3" name="TextBox 2">
@@ -12048,7 +12272,7 @@
               <a:blipFill>
                 <a:blip r:embed="rId2"/>
                 <a:stretch>
-                  <a:fillRect l="-1391" t="-1923" r="-464" b="-4231"/>
+                  <a:fillRect l="-1391" t="-1923" r="-155" b="-4231"/>
                 </a:stretch>
               </a:blipFill>
             </p:spPr>
@@ -12392,313 +12616,6 @@
                       </p:childTnLst>
                     </p:cTn>
                   </p:par>
-                  <p:par>
-                    <p:cTn id="27" fill="hold">
-                      <p:stCondLst>
-                        <p:cond delay="indefinite"/>
-                      </p:stCondLst>
-                      <p:childTnLst>
-                        <p:par>
-                          <p:cTn id="28" fill="hold">
-                            <p:stCondLst>
-                              <p:cond delay="0"/>
-                            </p:stCondLst>
-                            <p:childTnLst>
-                              <p:par>
-                                <p:cTn id="29" presetID="1" presetClass="entr" presetSubtype="0" fill="hold" grpId="1" nodeType="clickEffect">
-                                  <p:stCondLst>
-                                    <p:cond delay="0"/>
-                                  </p:stCondLst>
-                                  <p:childTnLst>
-                                    <p:set>
-                                      <p:cBhvr>
-                                        <p:cTn id="30" dur="1" fill="hold">
-                                          <p:stCondLst>
-                                            <p:cond delay="0"/>
-                                          </p:stCondLst>
-                                        </p:cTn>
-                                        <p:tgtEl>
-                                          <p:spTgt spid="3">
-                                            <p:txEl>
-                                              <p:pRg st="0" end="0"/>
-                                            </p:txEl>
-                                          </p:spTgt>
-                                        </p:tgtEl>
-                                        <p:attrNameLst>
-                                          <p:attrName>style.visibility</p:attrName>
-                                        </p:attrNameLst>
-                                      </p:cBhvr>
-                                      <p:to>
-                                        <p:strVal val="visible"/>
-                                      </p:to>
-                                    </p:set>
-                                  </p:childTnLst>
-                                </p:cTn>
-                              </p:par>
-                            </p:childTnLst>
-                          </p:cTn>
-                        </p:par>
-                      </p:childTnLst>
-                    </p:cTn>
-                  </p:par>
-                  <p:par>
-                    <p:cTn id="31" fill="hold">
-                      <p:stCondLst>
-                        <p:cond delay="indefinite"/>
-                      </p:stCondLst>
-                      <p:childTnLst>
-                        <p:par>
-                          <p:cTn id="32" fill="hold">
-                            <p:stCondLst>
-                              <p:cond delay="0"/>
-                            </p:stCondLst>
-                            <p:childTnLst>
-                              <p:par>
-                                <p:cTn id="33" presetID="1" presetClass="entr" presetSubtype="0" fill="hold" grpId="1" nodeType="clickEffect">
-                                  <p:stCondLst>
-                                    <p:cond delay="0"/>
-                                  </p:stCondLst>
-                                  <p:childTnLst>
-                                    <p:set>
-                                      <p:cBhvr>
-                                        <p:cTn id="34" dur="1" fill="hold">
-                                          <p:stCondLst>
-                                            <p:cond delay="0"/>
-                                          </p:stCondLst>
-                                        </p:cTn>
-                                        <p:tgtEl>
-                                          <p:spTgt spid="3">
-                                            <p:txEl>
-                                              <p:pRg st="1" end="1"/>
-                                            </p:txEl>
-                                          </p:spTgt>
-                                        </p:tgtEl>
-                                        <p:attrNameLst>
-                                          <p:attrName>style.visibility</p:attrName>
-                                        </p:attrNameLst>
-                                      </p:cBhvr>
-                                      <p:to>
-                                        <p:strVal val="visible"/>
-                                      </p:to>
-                                    </p:set>
-                                  </p:childTnLst>
-                                </p:cTn>
-                              </p:par>
-                            </p:childTnLst>
-                          </p:cTn>
-                        </p:par>
-                      </p:childTnLst>
-                    </p:cTn>
-                  </p:par>
-                  <p:par>
-                    <p:cTn id="35" fill="hold">
-                      <p:stCondLst>
-                        <p:cond delay="indefinite"/>
-                      </p:stCondLst>
-                      <p:childTnLst>
-                        <p:par>
-                          <p:cTn id="36" fill="hold">
-                            <p:stCondLst>
-                              <p:cond delay="0"/>
-                            </p:stCondLst>
-                            <p:childTnLst>
-                              <p:par>
-                                <p:cTn id="37" presetID="1" presetClass="entr" presetSubtype="0" fill="hold" grpId="1" nodeType="clickEffect">
-                                  <p:stCondLst>
-                                    <p:cond delay="0"/>
-                                  </p:stCondLst>
-                                  <p:childTnLst>
-                                    <p:set>
-                                      <p:cBhvr>
-                                        <p:cTn id="38" dur="1" fill="hold">
-                                          <p:stCondLst>
-                                            <p:cond delay="0"/>
-                                          </p:stCondLst>
-                                        </p:cTn>
-                                        <p:tgtEl>
-                                          <p:spTgt spid="3">
-                                            <p:txEl>
-                                              <p:pRg st="2" end="2"/>
-                                            </p:txEl>
-                                          </p:spTgt>
-                                        </p:tgtEl>
-                                        <p:attrNameLst>
-                                          <p:attrName>style.visibility</p:attrName>
-                                        </p:attrNameLst>
-                                      </p:cBhvr>
-                                      <p:to>
-                                        <p:strVal val="visible"/>
-                                      </p:to>
-                                    </p:set>
-                                  </p:childTnLst>
-                                </p:cTn>
-                              </p:par>
-                              <p:par>
-                                <p:cTn id="39" presetID="1" presetClass="entr" presetSubtype="0" fill="hold" grpId="1" nodeType="withEffect">
-                                  <p:stCondLst>
-                                    <p:cond delay="0"/>
-                                  </p:stCondLst>
-                                  <p:childTnLst>
-                                    <p:set>
-                                      <p:cBhvr>
-                                        <p:cTn id="40" dur="1" fill="hold">
-                                          <p:stCondLst>
-                                            <p:cond delay="0"/>
-                                          </p:stCondLst>
-                                        </p:cTn>
-                                        <p:tgtEl>
-                                          <p:spTgt spid="3">
-                                            <p:txEl>
-                                              <p:pRg st="3" end="3"/>
-                                            </p:txEl>
-                                          </p:spTgt>
-                                        </p:tgtEl>
-                                        <p:attrNameLst>
-                                          <p:attrName>style.visibility</p:attrName>
-                                        </p:attrNameLst>
-                                      </p:cBhvr>
-                                      <p:to>
-                                        <p:strVal val="visible"/>
-                                      </p:to>
-                                    </p:set>
-                                  </p:childTnLst>
-                                </p:cTn>
-                              </p:par>
-                              <p:par>
-                                <p:cTn id="41" presetID="1" presetClass="entr" presetSubtype="0" fill="hold" grpId="1" nodeType="withEffect">
-                                  <p:stCondLst>
-                                    <p:cond delay="0"/>
-                                  </p:stCondLst>
-                                  <p:childTnLst>
-                                    <p:set>
-                                      <p:cBhvr>
-                                        <p:cTn id="42" dur="1" fill="hold">
-                                          <p:stCondLst>
-                                            <p:cond delay="0"/>
-                                          </p:stCondLst>
-                                        </p:cTn>
-                                        <p:tgtEl>
-                                          <p:spTgt spid="3">
-                                            <p:txEl>
-                                              <p:pRg st="4" end="4"/>
-                                            </p:txEl>
-                                          </p:spTgt>
-                                        </p:tgtEl>
-                                        <p:attrNameLst>
-                                          <p:attrName>style.visibility</p:attrName>
-                                        </p:attrNameLst>
-                                      </p:cBhvr>
-                                      <p:to>
-                                        <p:strVal val="visible"/>
-                                      </p:to>
-                                    </p:set>
-                                  </p:childTnLst>
-                                </p:cTn>
-                              </p:par>
-                            </p:childTnLst>
-                          </p:cTn>
-                        </p:par>
-                      </p:childTnLst>
-                    </p:cTn>
-                  </p:par>
-                  <p:par>
-                    <p:cTn id="43" fill="hold">
-                      <p:stCondLst>
-                        <p:cond delay="indefinite"/>
-                      </p:stCondLst>
-                      <p:childTnLst>
-                        <p:par>
-                          <p:cTn id="44" fill="hold">
-                            <p:stCondLst>
-                              <p:cond delay="0"/>
-                            </p:stCondLst>
-                            <p:childTnLst>
-                              <p:par>
-                                <p:cTn id="45" presetID="1" presetClass="entr" presetSubtype="0" fill="hold" grpId="1" nodeType="clickEffect">
-                                  <p:stCondLst>
-                                    <p:cond delay="0"/>
-                                  </p:stCondLst>
-                                  <p:childTnLst>
-                                    <p:set>
-                                      <p:cBhvr>
-                                        <p:cTn id="46" dur="1" fill="hold">
-                                          <p:stCondLst>
-                                            <p:cond delay="0"/>
-                                          </p:stCondLst>
-                                        </p:cTn>
-                                        <p:tgtEl>
-                                          <p:spTgt spid="3">
-                                            <p:txEl>
-                                              <p:pRg st="5" end="5"/>
-                                            </p:txEl>
-                                          </p:spTgt>
-                                        </p:tgtEl>
-                                        <p:attrNameLst>
-                                          <p:attrName>style.visibility</p:attrName>
-                                        </p:attrNameLst>
-                                      </p:cBhvr>
-                                      <p:to>
-                                        <p:strVal val="visible"/>
-                                      </p:to>
-                                    </p:set>
-                                  </p:childTnLst>
-                                </p:cTn>
-                              </p:par>
-                            </p:childTnLst>
-                          </p:cTn>
-                        </p:par>
-                      </p:childTnLst>
-                    </p:cTn>
-                  </p:par>
-                  <p:par>
-                    <p:cTn id="47" fill="hold">
-                      <p:stCondLst>
-                        <p:cond delay="indefinite"/>
-                      </p:stCondLst>
-                      <p:childTnLst>
-                        <p:par>
-                          <p:cTn id="48" fill="hold">
-                            <p:stCondLst>
-                              <p:cond delay="0"/>
-                            </p:stCondLst>
-                            <p:childTnLst>
-                              <p:par>
-                                <p:cTn id="49" presetID="1" presetClass="entr" presetSubtype="0" fill="hold" grpId="1" nodeType="clickEffect">
-                                  <p:stCondLst>
-                                    <p:cond delay="0"/>
-                                  </p:stCondLst>
-                                  <p:childTnLst>
-                                    <p:set>
-                                      <p:cBhvr>
-                                        <p:cTn id="50" dur="1" fill="hold">
-                                          <p:stCondLst>
-                                            <p:cond delay="0"/>
-                                          </p:stCondLst>
-                                        </p:cTn>
-                                        <p:tgtEl>
-                                          <p:spTgt spid="3">
-                                            <p:txEl>
-                                              <p:pRg st="6" end="6"/>
-                                            </p:txEl>
-                                          </p:spTgt>
-                                        </p:tgtEl>
-                                        <p:attrNameLst>
-                                          <p:attrName>style.visibility</p:attrName>
-                                        </p:attrNameLst>
-                                      </p:cBhvr>
-                                      <p:to>
-                                        <p:strVal val="visible"/>
-                                      </p:to>
-                                    </p:set>
-                                  </p:childTnLst>
-                                </p:cTn>
-                              </p:par>
-                            </p:childTnLst>
-                          </p:cTn>
-                        </p:par>
-                      </p:childTnLst>
-                    </p:cTn>
-                  </p:par>
                 </p:childTnLst>
               </p:cTn>
               <p:prevCondLst>
@@ -12721,8 +12638,7 @@
       </p:par>
     </p:tnLst>
     <p:bldLst>
-      <p:bldP spid="3" grpId="0" build="p"/>
-      <p:bldP spid="3" grpId="1" build="p"/>
+      <p:bldP spid="3" grpId="0" uiExpand="1" build="p"/>
     </p:bldLst>
   </p:timing>
 </p:sld>
@@ -13666,7 +13582,7 @@
             </a:r>
             <a:r>
               <a:rPr lang="en-US" dirty="0"/>
-              <a:t>in parallel in </a:t>
+              <a:t>in </a:t>
             </a:r>
             <a:r>
               <a:rPr lang="en-US" b="1" dirty="0"/>
@@ -14814,7 +14730,7 @@
             </a:r>
             <a:r>
               <a:rPr lang="en-US" dirty="0"/>
-              <a:t>sequentially</a:t>
+              <a:t>in this thread</a:t>
             </a:r>
           </a:p>
           <a:p>
@@ -22131,7 +22047,7 @@
             <a:pPr lvl="1"/>
             <a:r>
               <a:rPr lang="en-US" dirty="0"/>
-              <a:t>Way to access shared memory (refs to common objects</a:t>
+              <a:t>Way to access shared memory (refs to common objects)</a:t>
             </a:r>
           </a:p>
           <a:p>
